--- a/ppt/สัมนา2-Pre.pptx
+++ b/ppt/สัมนา2-Pre.pptx
@@ -25706,7 +25706,7 @@
           <p:cNvPr id="7" name="ตัวแทนเนื้อหา 2">
             <a:extLst>
               <a:ext uri="{FF2B5EF4-FFF2-40B4-BE49-F238E27FC236}">
-                <a16:creationId xmlns:a16="http://schemas.microsoft.com/office/drawing/2014/main" xmlns="" id="{8AAC7950-6738-464E-83D3-EDFCD0A155EC}"/>
+                <a16:creationId xmlns="" xmlns:a16="http://schemas.microsoft.com/office/drawing/2014/main" id="{8AAC7950-6738-464E-83D3-EDFCD0A155EC}"/>
               </a:ext>
             </a:extLst>
           </p:cNvPr>
@@ -25996,13 +25996,7 @@
               <a:rPr lang="en-US" sz="2000" dirty="0" smtClean="0">
                 <a:latin typeface="+mj-lt"/>
               </a:rPr>
-              <a:t> </a:t>
-            </a:r>
-            <a:r>
-              <a:rPr lang="en-US" sz="2000" dirty="0" smtClean="0">
-                <a:latin typeface="+mj-lt"/>
-              </a:rPr>
-              <a:t>install </a:t>
+              <a:t> install </a:t>
             </a:r>
             <a:r>
               <a:rPr lang="en-US" sz="2000" dirty="0" smtClean="0">
@@ -26145,15 +26139,6 @@
               </a:rPr>
               <a:t>------------------------------------------------------------------------------</a:t>
             </a:r>
-            <a:endParaRPr lang="en-US" sz="2000" dirty="0" smtClean="0">
-              <a:solidFill>
-                <a:schemeClr val="accent1">
-                  <a:lumMod val="40000"/>
-                  <a:lumOff val="60000"/>
-                </a:schemeClr>
-              </a:solidFill>
-              <a:latin typeface="+mj-lt"/>
-            </a:endParaRPr>
           </a:p>
           <a:p>
             <a:r>
@@ -26169,7 +26154,7 @@
               <a:t>Github</a:t>
             </a:r>
             <a:r>
-              <a:rPr lang="en-US" sz="2000" smtClean="0">
+              <a:rPr lang="en-US" sz="2000" dirty="0" smtClean="0">
                 <a:solidFill>
                   <a:schemeClr val="accent1">
                     <a:lumMod val="40000"/>
@@ -26181,10 +26166,12 @@
               <a:t>: </a:t>
             </a:r>
             <a:r>
-              <a:rPr lang="en-US" sz="2000">
-                <a:hlinkClick r:id="rId3"/>
-              </a:rPr>
-              <a:t>https://github.com/Praepilai2626/Object2</a:t>
+              <a:rPr lang="en-US" sz="2000" dirty="0"/>
+              <a:t>https://</a:t>
+            </a:r>
+            <a:r>
+              <a:rPr lang="en-US" sz="2000" dirty="0" smtClean="0"/>
+              <a:t>github.com/Praepilai2626/Object3</a:t>
             </a:r>
             <a:endParaRPr lang="th-TH" sz="2000" dirty="0">
               <a:solidFill>
@@ -26270,7 +26257,7 @@
           <p:cNvPr id="8" name="ตัวแทนเนื้อหา 2">
             <a:extLst>
               <a:ext uri="{FF2B5EF4-FFF2-40B4-BE49-F238E27FC236}">
-                <a16:creationId xmlns:a16="http://schemas.microsoft.com/office/drawing/2014/main" xmlns="" id="{D14D2DE5-07BD-474D-9D4F-873FB35EA33B}"/>
+                <a16:creationId xmlns="" xmlns:a16="http://schemas.microsoft.com/office/drawing/2014/main" id="{D14D2DE5-07BD-474D-9D4F-873FB35EA33B}"/>
               </a:ext>
             </a:extLst>
           </p:cNvPr>
@@ -26564,7 +26551,7 @@
           <p:cNvPr id="9" name="ตัวแทนเนื้อหา 2">
             <a:extLst>
               <a:ext uri="{FF2B5EF4-FFF2-40B4-BE49-F238E27FC236}">
-                <a16:creationId xmlns:a16="http://schemas.microsoft.com/office/drawing/2014/main" xmlns="" id="{59E5269C-2A44-496D-BE51-50A7E3CA5F6E}"/>
+                <a16:creationId xmlns="" xmlns:a16="http://schemas.microsoft.com/office/drawing/2014/main" id="{59E5269C-2A44-496D-BE51-50A7E3CA5F6E}"/>
               </a:ext>
             </a:extLst>
           </p:cNvPr>
@@ -26995,7 +26982,7 @@
           <p:cNvPr id="9" name="Picture 2" descr="https://scontent.fbkk10-1.fna.fbcdn.net/v/t1.15752-9/69119917_722227778209361_7323748799728320512_n.png?_nc_cat=103&amp;_nc_oc=AQniIPlwjs23dufmqngBy_T7sy6qFO-2q0P9VOidXYTGeqX_xngvTXf9WSIj1tEPGSM&amp;_nc_ht=scontent.fbkk10-1.fna&amp;oh=26b0cea3a89b961a7f5e5a7e9273faaf&amp;oe=5DCE75E4">
             <a:extLst>
               <a:ext uri="{FF2B5EF4-FFF2-40B4-BE49-F238E27FC236}">
-                <a16:creationId xmlns:a16="http://schemas.microsoft.com/office/drawing/2014/main" xmlns="" id="{76798B3A-80BB-4855-87E5-EA742028B063}"/>
+                <a16:creationId xmlns="" xmlns:a16="http://schemas.microsoft.com/office/drawing/2014/main" id="{76798B3A-80BB-4855-87E5-EA742028B063}"/>
               </a:ext>
             </a:extLst>
           </p:cNvPr>
@@ -27042,7 +27029,7 @@
           <p:cNvPr id="6" name="Rectangle 5">
             <a:extLst>
               <a:ext uri="{FF2B5EF4-FFF2-40B4-BE49-F238E27FC236}">
-                <a16:creationId xmlns:a16="http://schemas.microsoft.com/office/drawing/2014/main" xmlns="" id="{75FD2065-EC10-43C5-B1D3-F25FB49088BB}"/>
+                <a16:creationId xmlns="" xmlns:a16="http://schemas.microsoft.com/office/drawing/2014/main" id="{75FD2065-EC10-43C5-B1D3-F25FB49088BB}"/>
               </a:ext>
             </a:extLst>
           </p:cNvPr>
@@ -27078,7 +27065,7 @@
           <p:cNvPr id="11" name="TextBox 10">
             <a:extLst>
               <a:ext uri="{FF2B5EF4-FFF2-40B4-BE49-F238E27FC236}">
-                <a16:creationId xmlns:a16="http://schemas.microsoft.com/office/drawing/2014/main" xmlns="" id="{220EF64A-0CBD-45FD-A02D-1D7F4C01BD98}"/>
+                <a16:creationId xmlns="" xmlns:a16="http://schemas.microsoft.com/office/drawing/2014/main" id="{220EF64A-0CBD-45FD-A02D-1D7F4C01BD98}"/>
               </a:ext>
             </a:extLst>
           </p:cNvPr>
@@ -27631,7 +27618,7 @@
           <p:cNvPr id="5" name="Picture 3">
             <a:extLst>
               <a:ext uri="{FF2B5EF4-FFF2-40B4-BE49-F238E27FC236}">
-                <a16:creationId xmlns:a16="http://schemas.microsoft.com/office/drawing/2014/main" xmlns="" id="{EA2E95F3-9859-49F4-8D66-AF292F1B4A6F}"/>
+                <a16:creationId xmlns="" xmlns:a16="http://schemas.microsoft.com/office/drawing/2014/main" id="{EA2E95F3-9859-49F4-8D66-AF292F1B4A6F}"/>
               </a:ext>
             </a:extLst>
           </p:cNvPr>
@@ -27699,7 +27686,7 @@
           <p:cNvPr id="6" name="Picture 2" descr="https://scontent.fbkk10-1.fna.fbcdn.net/v/t1.15752-9/69119917_722227778209361_7323748799728320512_n.png?_nc_cat=103&amp;_nc_oc=AQniIPlwjs23dufmqngBy_T7sy6qFO-2q0P9VOidXYTGeqX_xngvTXf9WSIj1tEPGSM&amp;_nc_ht=scontent.fbkk10-1.fna&amp;oh=26b0cea3a89b961a7f5e5a7e9273faaf&amp;oe=5DCE75E4">
             <a:extLst>
               <a:ext uri="{FF2B5EF4-FFF2-40B4-BE49-F238E27FC236}">
-                <a16:creationId xmlns:a16="http://schemas.microsoft.com/office/drawing/2014/main" xmlns="" id="{371E65D9-0401-48F7-9726-16C1C46C263B}"/>
+                <a16:creationId xmlns="" xmlns:a16="http://schemas.microsoft.com/office/drawing/2014/main" id="{371E65D9-0401-48F7-9726-16C1C46C263B}"/>
               </a:ext>
             </a:extLst>
           </p:cNvPr>
@@ -27783,7 +27770,7 @@
           <p:cNvPr id="10" name="TextBox 9">
             <a:extLst>
               <a:ext uri="{FF2B5EF4-FFF2-40B4-BE49-F238E27FC236}">
-                <a16:creationId xmlns:a16="http://schemas.microsoft.com/office/drawing/2014/main" xmlns="" id="{F67BE90E-79D5-4F63-8BE4-11AE2722849F}"/>
+                <a16:creationId xmlns="" xmlns:a16="http://schemas.microsoft.com/office/drawing/2014/main" id="{F67BE90E-79D5-4F63-8BE4-11AE2722849F}"/>
               </a:ext>
             </a:extLst>
           </p:cNvPr>
@@ -28188,7 +28175,7 @@
           <p:cNvPr id="12" name="Picture 2" descr="https://scontent.fbkk10-1.fna.fbcdn.net/v/t1.15752-9/68864767_2986395524709968_3318565876357136384_n.png?_nc_cat=108&amp;_nc_oc=AQn1Lp8ieVl8hqiJVG1FyzAWzLSXjmmmwNswwIIicVstGLxJ5G_00n_AEoltRyhyX_M&amp;_nc_ht=scontent.fbkk10-1.fna&amp;oh=eee9fd9f06da10109e910046068a978a&amp;oe=5E0DC2CB">
             <a:extLst>
               <a:ext uri="{FF2B5EF4-FFF2-40B4-BE49-F238E27FC236}">
-                <a16:creationId xmlns:a16="http://schemas.microsoft.com/office/drawing/2014/main" xmlns="" id="{FA9925E1-7ABB-4CB9-AB60-F2C1EF14D55C}"/>
+                <a16:creationId xmlns="" xmlns:a16="http://schemas.microsoft.com/office/drawing/2014/main" id="{FA9925E1-7ABB-4CB9-AB60-F2C1EF14D55C}"/>
               </a:ext>
             </a:extLst>
           </p:cNvPr>
@@ -28436,7 +28423,7 @@
           <p:cNvPr id="6" name="Picture 3">
             <a:extLst>
               <a:ext uri="{FF2B5EF4-FFF2-40B4-BE49-F238E27FC236}">
-                <a16:creationId xmlns:a16="http://schemas.microsoft.com/office/drawing/2014/main" xmlns="" id="{5A8D393C-8169-4704-9E64-D727C758EBAB}"/>
+                <a16:creationId xmlns="" xmlns:a16="http://schemas.microsoft.com/office/drawing/2014/main" id="{5A8D393C-8169-4704-9E64-D727C758EBAB}"/>
               </a:ext>
             </a:extLst>
           </p:cNvPr>
